--- a/src/docs/overview.pptx
+++ b/src/docs/overview.pptx
@@ -243,7 +243,7 @@
           <a:p>
             <a:fld id="{CE6664CD-D4D7-4E08-BC52-37DAD84AE53E}" type="datetimeFigureOut">
               <a:rPr lang="sv-SE" smtClean="0"/>
-              <a:t>2016-04-16</a:t>
+              <a:t>2016-04-18</a:t>
             </a:fld>
             <a:endParaRPr lang="sv-SE"/>
           </a:p>
@@ -413,7 +413,7 @@
           <a:p>
             <a:fld id="{CE6664CD-D4D7-4E08-BC52-37DAD84AE53E}" type="datetimeFigureOut">
               <a:rPr lang="sv-SE" smtClean="0"/>
-              <a:t>2016-04-16</a:t>
+              <a:t>2016-04-18</a:t>
             </a:fld>
             <a:endParaRPr lang="sv-SE"/>
           </a:p>
@@ -593,7 +593,7 @@
           <a:p>
             <a:fld id="{CE6664CD-D4D7-4E08-BC52-37DAD84AE53E}" type="datetimeFigureOut">
               <a:rPr lang="sv-SE" smtClean="0"/>
-              <a:t>2016-04-16</a:t>
+              <a:t>2016-04-18</a:t>
             </a:fld>
             <a:endParaRPr lang="sv-SE"/>
           </a:p>
@@ -763,7 +763,7 @@
           <a:p>
             <a:fld id="{CE6664CD-D4D7-4E08-BC52-37DAD84AE53E}" type="datetimeFigureOut">
               <a:rPr lang="sv-SE" smtClean="0"/>
-              <a:t>2016-04-16</a:t>
+              <a:t>2016-04-18</a:t>
             </a:fld>
             <a:endParaRPr lang="sv-SE"/>
           </a:p>
@@ -1009,7 +1009,7 @@
           <a:p>
             <a:fld id="{CE6664CD-D4D7-4E08-BC52-37DAD84AE53E}" type="datetimeFigureOut">
               <a:rPr lang="sv-SE" smtClean="0"/>
-              <a:t>2016-04-16</a:t>
+              <a:t>2016-04-18</a:t>
             </a:fld>
             <a:endParaRPr lang="sv-SE"/>
           </a:p>
@@ -1241,7 +1241,7 @@
           <a:p>
             <a:fld id="{CE6664CD-D4D7-4E08-BC52-37DAD84AE53E}" type="datetimeFigureOut">
               <a:rPr lang="sv-SE" smtClean="0"/>
-              <a:t>2016-04-16</a:t>
+              <a:t>2016-04-18</a:t>
             </a:fld>
             <a:endParaRPr lang="sv-SE"/>
           </a:p>
@@ -1608,7 +1608,7 @@
           <a:p>
             <a:fld id="{CE6664CD-D4D7-4E08-BC52-37DAD84AE53E}" type="datetimeFigureOut">
               <a:rPr lang="sv-SE" smtClean="0"/>
-              <a:t>2016-04-16</a:t>
+              <a:t>2016-04-18</a:t>
             </a:fld>
             <a:endParaRPr lang="sv-SE"/>
           </a:p>
@@ -1726,7 +1726,7 @@
           <a:p>
             <a:fld id="{CE6664CD-D4D7-4E08-BC52-37DAD84AE53E}" type="datetimeFigureOut">
               <a:rPr lang="sv-SE" smtClean="0"/>
-              <a:t>2016-04-16</a:t>
+              <a:t>2016-04-18</a:t>
             </a:fld>
             <a:endParaRPr lang="sv-SE"/>
           </a:p>
@@ -1821,7 +1821,7 @@
           <a:p>
             <a:fld id="{CE6664CD-D4D7-4E08-BC52-37DAD84AE53E}" type="datetimeFigureOut">
               <a:rPr lang="sv-SE" smtClean="0"/>
-              <a:t>2016-04-16</a:t>
+              <a:t>2016-04-18</a:t>
             </a:fld>
             <a:endParaRPr lang="sv-SE"/>
           </a:p>
@@ -2098,7 +2098,7 @@
           <a:p>
             <a:fld id="{CE6664CD-D4D7-4E08-BC52-37DAD84AE53E}" type="datetimeFigureOut">
               <a:rPr lang="sv-SE" smtClean="0"/>
-              <a:t>2016-04-16</a:t>
+              <a:t>2016-04-18</a:t>
             </a:fld>
             <a:endParaRPr lang="sv-SE"/>
           </a:p>
@@ -2351,7 +2351,7 @@
           <a:p>
             <a:fld id="{CE6664CD-D4D7-4E08-BC52-37DAD84AE53E}" type="datetimeFigureOut">
               <a:rPr lang="sv-SE" smtClean="0"/>
-              <a:t>2016-04-16</a:t>
+              <a:t>2016-04-18</a:t>
             </a:fld>
             <a:endParaRPr lang="sv-SE"/>
           </a:p>
@@ -2564,7 +2564,7 @@
           <a:p>
             <a:fld id="{CE6664CD-D4D7-4E08-BC52-37DAD84AE53E}" type="datetimeFigureOut">
               <a:rPr lang="sv-SE" smtClean="0"/>
-              <a:t>2016-04-16</a:t>
+              <a:t>2016-04-18</a:t>
             </a:fld>
             <a:endParaRPr lang="sv-SE"/>
           </a:p>
@@ -3388,8 +3388,12 @@
               <a:t>Start event consumer(s) and event </a:t>
             </a:r>
             <a:r>
-              <a:rPr lang="sv-SE" dirty="0" smtClean="0"/>
-              <a:t>processing asynchronoslyee. </a:t>
+              <a:rPr lang="sv-SE" smtClean="0"/>
+              <a:t>processing </a:t>
+            </a:r>
+            <a:r>
+              <a:rPr lang="sv-SE"/>
+              <a:t>asynchronously. </a:t>
             </a:r>
             <a:endParaRPr lang="sv-SE" dirty="0"/>
           </a:p>
@@ -3980,15 +3984,54 @@
               <a:rPr lang="sv-SE" dirty="0" smtClean="0"/>
               <a:t>Event</a:t>
             </a:r>
-            <a:endParaRPr lang="sv-SE" dirty="0" smtClean="0"/>
           </a:p>
           <a:p>
             <a:pPr algn="ctr"/>
             <a:r>
               <a:rPr lang="sv-SE" dirty="0" smtClean="0"/>
-              <a:t>Consumer</a:t>
+              <a:t>Iterator</a:t>
             </a:r>
             <a:endParaRPr lang="sv-SE" dirty="0"/>
+          </a:p>
+        </p:txBody>
+      </p:sp>
+      <p:sp>
+        <p:nvSpPr>
+          <p:cNvPr id="3" name="TextBox 2"/>
+          <p:cNvSpPr txBox="1"/>
+          <p:nvPr/>
+        </p:nvSpPr>
+        <p:spPr>
+          <a:xfrm>
+            <a:off x="8507857" y="2119880"/>
+            <a:ext cx="2141753" cy="461665"/>
+          </a:xfrm>
+          <a:prstGeom prst="rect">
+            <a:avLst/>
+          </a:prstGeom>
+          <a:noFill/>
+        </p:spPr>
+        <p:txBody>
+          <a:bodyPr wrap="square" rtlCol="0">
+            <a:spAutoFit/>
+          </a:bodyPr>
+          <a:lstStyle/>
+          <a:p>
+            <a:r>
+              <a:rPr lang="sv-SE" sz="1200" dirty="0"/>
+              <a:t>SUT = System Under Test</a:t>
+            </a:r>
+          </a:p>
+          <a:p>
+            <a:r>
+              <a:rPr lang="sv-SE" sz="1200" dirty="0" smtClean="0"/>
+              <a:t>TDL </a:t>
+            </a:r>
+            <a:r>
+              <a:rPr lang="sv-SE" sz="1200" dirty="0"/>
+              <a:t>= Tratt Definition Language </a:t>
+            </a:r>
+            <a:endParaRPr lang="sv-SE" sz="1200" dirty="0"/>
           </a:p>
         </p:txBody>
       </p:sp>
